--- a/Documents/Presentation 4.pptx
+++ b/Documents/Presentation 4.pptx
@@ -5054,7 +5054,7 @@
             </a:pPr>
             <a:r>
               <a:rPr lang="en-US" dirty="0"/>
-              <a:t>Developed complementary filter.</a:t>
+              <a:t>Sensor fusion via complementary filter.</a:t>
             </a:r>
           </a:p>
           <a:p>
@@ -5074,7 +5074,7 @@
             </a:pPr>
             <a:r>
               <a:rPr lang="en-US" dirty="0"/>
-              <a:t>Dataset obtained to perform testing for the targeted people.</a:t>
+              <a:t>Dataset obtained to perform testing for the targeted people[3].</a:t>
             </a:r>
           </a:p>
           <a:p>
@@ -5254,6 +5254,160 @@
               <a:t>lawitzki</a:t>
             </a:r>
             <a:endParaRPr lang="de-DE" sz="1700" dirty="0"/>
+          </a:p>
+          <a:p>
+            <a:pPr marL="514350" indent="-514350">
+              <a:buFont typeface="Arial" panose="020B0604020202020204" pitchFamily="34" charset="0"/>
+              <a:buAutoNum type="arabicPeriod"/>
+            </a:pPr>
+            <a:r>
+              <a:rPr lang="de-DE" sz="1700" dirty="0"/>
+              <a:t>G. </a:t>
+            </a:r>
+            <a:r>
+              <a:rPr lang="de-DE" sz="1700" dirty="0" err="1"/>
+              <a:t>Vavoulas</a:t>
+            </a:r>
+            <a:r>
+              <a:rPr lang="de-DE" sz="1700" dirty="0"/>
+              <a:t>, M. </a:t>
+            </a:r>
+            <a:r>
+              <a:rPr lang="de-DE" sz="1700" dirty="0" err="1"/>
+              <a:t>Pediaditis</a:t>
+            </a:r>
+            <a:r>
+              <a:rPr lang="de-DE" sz="1700" dirty="0"/>
+              <a:t>, E. G. </a:t>
+            </a:r>
+            <a:r>
+              <a:rPr lang="de-DE" sz="1700" dirty="0" err="1"/>
+              <a:t>Spanakis</a:t>
+            </a:r>
+            <a:r>
+              <a:rPr lang="de-DE" sz="1700" dirty="0"/>
+              <a:t> </a:t>
+            </a:r>
+            <a:r>
+              <a:rPr lang="de-DE" sz="1700" dirty="0" err="1"/>
+              <a:t>and</a:t>
+            </a:r>
+            <a:r>
+              <a:rPr lang="de-DE" sz="1700" dirty="0"/>
+              <a:t> M. </a:t>
+            </a:r>
+            <a:r>
+              <a:rPr lang="de-DE" sz="1700" dirty="0" err="1"/>
+              <a:t>Tsiknakis</a:t>
+            </a:r>
+            <a:r>
+              <a:rPr lang="de-DE" sz="1700" dirty="0"/>
+              <a:t>, "The </a:t>
+            </a:r>
+            <a:r>
+              <a:rPr lang="de-DE" sz="1700" dirty="0" err="1"/>
+              <a:t>MobiFall</a:t>
+            </a:r>
+            <a:r>
+              <a:rPr lang="de-DE" sz="1700" dirty="0"/>
+              <a:t> </a:t>
+            </a:r>
+            <a:r>
+              <a:rPr lang="de-DE" sz="1700" dirty="0" err="1"/>
+              <a:t>dataset</a:t>
+            </a:r>
+            <a:r>
+              <a:rPr lang="de-DE" sz="1700" dirty="0"/>
+              <a:t>: An initial </a:t>
+            </a:r>
+            <a:r>
+              <a:rPr lang="de-DE" sz="1700" dirty="0" err="1"/>
+              <a:t>evaluation</a:t>
+            </a:r>
+            <a:r>
+              <a:rPr lang="de-DE" sz="1700" dirty="0"/>
+              <a:t> </a:t>
+            </a:r>
+            <a:r>
+              <a:rPr lang="de-DE" sz="1700" dirty="0" err="1"/>
+              <a:t>of</a:t>
+            </a:r>
+            <a:r>
+              <a:rPr lang="de-DE" sz="1700" dirty="0"/>
+              <a:t> fall </a:t>
+            </a:r>
+            <a:r>
+              <a:rPr lang="de-DE" sz="1700" dirty="0" err="1"/>
+              <a:t>detection</a:t>
+            </a:r>
+            <a:r>
+              <a:rPr lang="de-DE" sz="1700" dirty="0"/>
+              <a:t> </a:t>
+            </a:r>
+            <a:r>
+              <a:rPr lang="de-DE" sz="1700" dirty="0" err="1"/>
+              <a:t>algorithms</a:t>
+            </a:r>
+            <a:r>
+              <a:rPr lang="de-DE" sz="1700" dirty="0"/>
+              <a:t> </a:t>
+            </a:r>
+            <a:r>
+              <a:rPr lang="de-DE" sz="1700" dirty="0" err="1"/>
+              <a:t>using</a:t>
+            </a:r>
+            <a:r>
+              <a:rPr lang="de-DE" sz="1700" dirty="0"/>
+              <a:t> </a:t>
+            </a:r>
+            <a:r>
+              <a:rPr lang="de-DE" sz="1700" dirty="0" err="1"/>
+              <a:t>smartphones</a:t>
+            </a:r>
+            <a:r>
+              <a:rPr lang="de-DE" sz="1700" dirty="0"/>
+              <a:t>," 13th IEEE International Conference on </a:t>
+            </a:r>
+            <a:r>
+              <a:rPr lang="de-DE" sz="1700" dirty="0" err="1"/>
+              <a:t>BioInformatics</a:t>
+            </a:r>
+            <a:r>
+              <a:rPr lang="de-DE" sz="1700" dirty="0"/>
+              <a:t> </a:t>
+            </a:r>
+            <a:r>
+              <a:rPr lang="de-DE" sz="1700" dirty="0" err="1"/>
+              <a:t>and</a:t>
+            </a:r>
+            <a:r>
+              <a:rPr lang="de-DE" sz="1700" dirty="0"/>
+              <a:t> </a:t>
+            </a:r>
+            <a:r>
+              <a:rPr lang="de-DE" sz="1700" dirty="0" err="1"/>
+              <a:t>BioEngineering</a:t>
+            </a:r>
+            <a:r>
+              <a:rPr lang="de-DE" sz="1700" dirty="0"/>
+              <a:t>, </a:t>
+            </a:r>
+            <a:r>
+              <a:rPr lang="de-DE" sz="1700" dirty="0" err="1"/>
+              <a:t>Chania</a:t>
+            </a:r>
+            <a:r>
+              <a:rPr lang="de-DE" sz="1700" dirty="0"/>
+              <a:t>, 2013, pp. 1-4, </a:t>
+            </a:r>
+            <a:r>
+              <a:rPr lang="de-DE" sz="1700" dirty="0" err="1"/>
+              <a:t>doi</a:t>
+            </a:r>
+            <a:r>
+              <a:rPr lang="de-DE" sz="1700" dirty="0"/>
+              <a:t>: 10.1109/BIBE.2013.6701629.</a:t>
+            </a:r>
           </a:p>
           <a:p>
             <a:pPr marL="514350" indent="-514350">

--- a/Documents/Presentation 4.pptx
+++ b/Documents/Presentation 4.pptx
@@ -5,7 +5,7 @@
     <p:sldMasterId id="2147483854" r:id="rId1"/>
   </p:sldMasterIdLst>
   <p:notesMasterIdLst>
-    <p:notesMasterId r:id="rId9"/>
+    <p:notesMasterId r:id="rId10"/>
   </p:notesMasterIdLst>
   <p:sldIdLst>
     <p:sldId id="256" r:id="rId2"/>
@@ -14,7 +14,8 @@
     <p:sldId id="267" r:id="rId5"/>
     <p:sldId id="265" r:id="rId6"/>
     <p:sldId id="270" r:id="rId7"/>
-    <p:sldId id="268" r:id="rId8"/>
+    <p:sldId id="271" r:id="rId8"/>
+    <p:sldId id="268" r:id="rId9"/>
   </p:sldIdLst>
   <p:sldSz cx="12192000" cy="6858000"/>
   <p:notesSz cx="6858000" cy="9144000"/>
@@ -203,7 +204,7 @@
           <a:p>
             <a:fld id="{266DAC16-DA02-F847-8D55-44345BC3D9A5}" type="datetimeFigureOut">
               <a:rPr lang="de-DE" smtClean="0"/>
-              <a:t>09.07.20</a:t>
+              <a:t>09.07.2020</a:t>
             </a:fld>
             <a:endParaRPr lang="de-DE"/>
           </a:p>
@@ -602,7 +603,7 @@
           <a:p>
             <a:fld id="{8B80C8B8-B73E-8B47-9E48-221C3F590C28}" type="datetime1">
               <a:rPr lang="de-DE" smtClean="0"/>
-              <a:t>09.07.20</a:t>
+              <a:t>09.07.2020</a:t>
             </a:fld>
             <a:endParaRPr lang="de-DE"/>
           </a:p>
@@ -772,7 +773,7 @@
           <a:p>
             <a:fld id="{93C37B03-4513-A141-9022-E9824DCBB0A0}" type="datetime1">
               <a:rPr lang="de-DE" smtClean="0"/>
-              <a:t>09.07.20</a:t>
+              <a:t>09.07.2020</a:t>
             </a:fld>
             <a:endParaRPr lang="de-DE"/>
           </a:p>
@@ -952,7 +953,7 @@
           <a:p>
             <a:fld id="{FF214724-919D-3A48-917F-8917AAF14B3A}" type="datetime1">
               <a:rPr lang="de-DE" smtClean="0"/>
-              <a:t>09.07.20</a:t>
+              <a:t>09.07.2020</a:t>
             </a:fld>
             <a:endParaRPr lang="de-DE"/>
           </a:p>
@@ -1122,7 +1123,7 @@
           <a:p>
             <a:fld id="{982A8D32-BB74-954F-ACFF-87E57C5AC28A}" type="datetime1">
               <a:rPr lang="de-DE" smtClean="0"/>
-              <a:t>09.07.20</a:t>
+              <a:t>09.07.2020</a:t>
             </a:fld>
             <a:endParaRPr lang="de-DE"/>
           </a:p>
@@ -1368,7 +1369,7 @@
           <a:p>
             <a:fld id="{E46E76CB-6BB4-DA4C-B48D-169919057F8A}" type="datetime1">
               <a:rPr lang="de-DE" smtClean="0"/>
-              <a:t>09.07.20</a:t>
+              <a:t>09.07.2020</a:t>
             </a:fld>
             <a:endParaRPr lang="de-DE"/>
           </a:p>
@@ -1600,7 +1601,7 @@
           <a:p>
             <a:fld id="{F55CE61A-5631-AE44-8294-14E7692462B8}" type="datetime1">
               <a:rPr lang="de-DE" smtClean="0"/>
-              <a:t>09.07.20</a:t>
+              <a:t>09.07.2020</a:t>
             </a:fld>
             <a:endParaRPr lang="de-DE"/>
           </a:p>
@@ -1967,7 +1968,7 @@
           <a:p>
             <a:fld id="{77641EFC-DD41-024F-AF86-EE6616483216}" type="datetime1">
               <a:rPr lang="de-DE" smtClean="0"/>
-              <a:t>09.07.20</a:t>
+              <a:t>09.07.2020</a:t>
             </a:fld>
             <a:endParaRPr lang="de-DE"/>
           </a:p>
@@ -2085,7 +2086,7 @@
           <a:p>
             <a:fld id="{390441C9-2726-8849-B1B3-1ACF09CA1DD5}" type="datetime1">
               <a:rPr lang="de-DE" smtClean="0"/>
-              <a:t>09.07.20</a:t>
+              <a:t>09.07.2020</a:t>
             </a:fld>
             <a:endParaRPr lang="de-DE"/>
           </a:p>
@@ -2180,7 +2181,7 @@
           <a:p>
             <a:fld id="{58DD452A-2813-4646-AD19-8C4B9CDAB8F3}" type="datetime1">
               <a:rPr lang="de-DE" smtClean="0"/>
-              <a:t>09.07.20</a:t>
+              <a:t>09.07.2020</a:t>
             </a:fld>
             <a:endParaRPr lang="de-DE"/>
           </a:p>
@@ -2457,7 +2458,7 @@
           <a:p>
             <a:fld id="{6BF90A40-5018-E844-AE4D-A04427B8A67D}" type="datetime1">
               <a:rPr lang="de-DE" smtClean="0"/>
-              <a:t>09.07.20</a:t>
+              <a:t>09.07.2020</a:t>
             </a:fld>
             <a:endParaRPr lang="de-DE"/>
           </a:p>
@@ -2714,7 +2715,7 @@
           <a:p>
             <a:fld id="{B39CFF23-CD56-C845-9F00-3DA42EF60425}" type="datetime1">
               <a:rPr lang="de-DE" smtClean="0"/>
-              <a:t>09.07.20</a:t>
+              <a:t>09.07.2020</a:t>
             </a:fld>
             <a:endParaRPr lang="de-DE"/>
           </a:p>
@@ -2954,7 +2955,7 @@
           <a:p>
             <a:fld id="{CCBDBEBC-F268-6843-9BFF-885A5F68C54F}" type="datetime1">
               <a:rPr lang="de-DE" smtClean="0"/>
-              <a:t>09.07.20</a:t>
+              <a:t>09.07.2020</a:t>
             </a:fld>
             <a:endParaRPr lang="de-DE"/>
           </a:p>
@@ -5151,6 +5152,258 @@
       </p:grpSpPr>
       <p:sp>
         <p:nvSpPr>
+          <p:cNvPr id="2" name="Title 1">
+            <a:extLst>
+              <a:ext uri="{FF2B5EF4-FFF2-40B4-BE49-F238E27FC236}">
+                <a16:creationId xmlns:a16="http://schemas.microsoft.com/office/drawing/2014/main" id="{40615F51-D5C4-429F-9041-D417673CA041}"/>
+              </a:ext>
+            </a:extLst>
+          </p:cNvPr>
+          <p:cNvSpPr>
+            <a:spLocks noGrp="1"/>
+          </p:cNvSpPr>
+          <p:nvPr>
+            <p:ph type="title"/>
+          </p:nvPr>
+        </p:nvSpPr>
+        <p:spPr>
+          <a:xfrm>
+            <a:off x="838200" y="365126"/>
+            <a:ext cx="10515600" cy="651911"/>
+          </a:xfrm>
+        </p:spPr>
+        <p:txBody>
+          <a:bodyPr>
+            <a:normAutofit fontScale="90000"/>
+          </a:bodyPr>
+          <a:lstStyle/>
+          <a:p>
+            <a:r>
+              <a:rPr lang="en-US" sz="3100" dirty="0"/>
+              <a:t>Data</a:t>
+            </a:r>
+            <a:r>
+              <a:rPr lang="en-US" dirty="0"/>
+              <a:t> </a:t>
+            </a:r>
+            <a:r>
+              <a:rPr lang="en-US" sz="3100" dirty="0"/>
+              <a:t>Sample</a:t>
+            </a:r>
+            <a:endParaRPr lang="en-IN" sz="3100" dirty="0"/>
+          </a:p>
+        </p:txBody>
+      </p:sp>
+      <p:pic>
+        <p:nvPicPr>
+          <p:cNvPr id="9" name="Content Placeholder 8">
+            <a:extLst>
+              <a:ext uri="{FF2B5EF4-FFF2-40B4-BE49-F238E27FC236}">
+                <a16:creationId xmlns:a16="http://schemas.microsoft.com/office/drawing/2014/main" id="{E9F7411C-66AC-4791-85B6-32F8D8A44E93}"/>
+              </a:ext>
+            </a:extLst>
+          </p:cNvPr>
+          <p:cNvPicPr>
+            <a:picLocks noGrp="1" noChangeAspect="1"/>
+          </p:cNvPicPr>
+          <p:nvPr>
+            <p:ph idx="1"/>
+          </p:nvPr>
+        </p:nvPicPr>
+        <p:blipFill>
+          <a:blip r:embed="rId2"/>
+          <a:stretch>
+            <a:fillRect/>
+          </a:stretch>
+        </p:blipFill>
+        <p:spPr>
+          <a:xfrm>
+            <a:off x="838200" y="1017037"/>
+            <a:ext cx="4663844" cy="487722"/>
+          </a:xfrm>
+        </p:spPr>
+      </p:pic>
+      <p:sp>
+        <p:nvSpPr>
+          <p:cNvPr id="4" name="Slide Number Placeholder 3">
+            <a:extLst>
+              <a:ext uri="{FF2B5EF4-FFF2-40B4-BE49-F238E27FC236}">
+                <a16:creationId xmlns:a16="http://schemas.microsoft.com/office/drawing/2014/main" id="{CCD2908A-F278-4602-8DDD-AEACCB31499D}"/>
+              </a:ext>
+            </a:extLst>
+          </p:cNvPr>
+          <p:cNvSpPr>
+            <a:spLocks noGrp="1"/>
+          </p:cNvSpPr>
+          <p:nvPr>
+            <p:ph type="sldNum" sz="quarter" idx="12"/>
+          </p:nvPr>
+        </p:nvSpPr>
+        <p:spPr/>
+        <p:txBody>
+          <a:bodyPr/>
+          <a:lstStyle/>
+          <a:p>
+            <a:fld id="{87DF2A7E-8477-AD4D-AAAC-6B3DEECADF48}" type="slidenum">
+              <a:rPr lang="de-DE" smtClean="0"/>
+              <a:t>7</a:t>
+            </a:fld>
+            <a:endParaRPr lang="de-DE"/>
+          </a:p>
+        </p:txBody>
+      </p:sp>
+      <p:pic>
+        <p:nvPicPr>
+          <p:cNvPr id="11" name="Picture 10">
+            <a:extLst>
+              <a:ext uri="{FF2B5EF4-FFF2-40B4-BE49-F238E27FC236}">
+                <a16:creationId xmlns:a16="http://schemas.microsoft.com/office/drawing/2014/main" id="{4B75120D-EA3E-48FA-8F9E-56BB3BED1A3B}"/>
+              </a:ext>
+            </a:extLst>
+          </p:cNvPr>
+          <p:cNvPicPr>
+            <a:picLocks noChangeAspect="1"/>
+          </p:cNvPicPr>
+          <p:nvPr/>
+        </p:nvPicPr>
+        <p:blipFill>
+          <a:blip r:embed="rId3"/>
+          <a:stretch>
+            <a:fillRect/>
+          </a:stretch>
+        </p:blipFill>
+        <p:spPr>
+          <a:xfrm>
+            <a:off x="838200" y="2837676"/>
+            <a:ext cx="6294665" cy="1005927"/>
+          </a:xfrm>
+          <a:prstGeom prst="rect">
+            <a:avLst/>
+          </a:prstGeom>
+        </p:spPr>
+      </p:pic>
+      <p:pic>
+        <p:nvPicPr>
+          <p:cNvPr id="13" name="Picture 12">
+            <a:extLst>
+              <a:ext uri="{FF2B5EF4-FFF2-40B4-BE49-F238E27FC236}">
+                <a16:creationId xmlns:a16="http://schemas.microsoft.com/office/drawing/2014/main" id="{00C47501-037F-41B1-B3B3-8BA344C62B4C}"/>
+              </a:ext>
+            </a:extLst>
+          </p:cNvPr>
+          <p:cNvPicPr>
+            <a:picLocks noChangeAspect="1"/>
+          </p:cNvPicPr>
+          <p:nvPr/>
+        </p:nvPicPr>
+        <p:blipFill>
+          <a:blip r:embed="rId4"/>
+          <a:stretch>
+            <a:fillRect/>
+          </a:stretch>
+        </p:blipFill>
+        <p:spPr>
+          <a:xfrm>
+            <a:off x="838200" y="1504759"/>
+            <a:ext cx="4473328" cy="1204064"/>
+          </a:xfrm>
+          <a:prstGeom prst="rect">
+            <a:avLst/>
+          </a:prstGeom>
+        </p:spPr>
+      </p:pic>
+      <p:pic>
+        <p:nvPicPr>
+          <p:cNvPr id="15" name="Picture 14">
+            <a:extLst>
+              <a:ext uri="{FF2B5EF4-FFF2-40B4-BE49-F238E27FC236}">
+                <a16:creationId xmlns:a16="http://schemas.microsoft.com/office/drawing/2014/main" id="{13EE7BE8-C645-41FE-A698-ED1FF951DDE3}"/>
+              </a:ext>
+            </a:extLst>
+          </p:cNvPr>
+          <p:cNvPicPr>
+            <a:picLocks noChangeAspect="1"/>
+          </p:cNvPicPr>
+          <p:nvPr/>
+        </p:nvPicPr>
+        <p:blipFill>
+          <a:blip r:embed="rId5"/>
+          <a:stretch>
+            <a:fillRect/>
+          </a:stretch>
+        </p:blipFill>
+        <p:spPr>
+          <a:xfrm>
+            <a:off x="838200" y="3987697"/>
+            <a:ext cx="8763759" cy="1188823"/>
+          </a:xfrm>
+          <a:prstGeom prst="rect">
+            <a:avLst/>
+          </a:prstGeom>
+        </p:spPr>
+      </p:pic>
+      <p:pic>
+        <p:nvPicPr>
+          <p:cNvPr id="17" name="Picture 16">
+            <a:extLst>
+              <a:ext uri="{FF2B5EF4-FFF2-40B4-BE49-F238E27FC236}">
+                <a16:creationId xmlns:a16="http://schemas.microsoft.com/office/drawing/2014/main" id="{069F17E2-EED6-4928-A05C-0313E55E157A}"/>
+              </a:ext>
+            </a:extLst>
+          </p:cNvPr>
+          <p:cNvPicPr>
+            <a:picLocks noChangeAspect="1"/>
+          </p:cNvPicPr>
+          <p:nvPr/>
+        </p:nvPicPr>
+        <p:blipFill>
+          <a:blip r:embed="rId6"/>
+          <a:stretch>
+            <a:fillRect/>
+          </a:stretch>
+        </p:blipFill>
+        <p:spPr>
+          <a:xfrm>
+            <a:off x="838200" y="5294003"/>
+            <a:ext cx="10745131" cy="1036410"/>
+          </a:xfrm>
+          <a:prstGeom prst="rect">
+            <a:avLst/>
+          </a:prstGeom>
+        </p:spPr>
+      </p:pic>
+    </p:spTree>
+    <p:extLst>
+      <p:ext uri="{BB962C8B-B14F-4D97-AF65-F5344CB8AC3E}">
+        <p14:creationId xmlns:p14="http://schemas.microsoft.com/office/powerpoint/2010/main" val="1273399158"/>
+      </p:ext>
+    </p:extLst>
+  </p:cSld>
+  <p:clrMapOvr>
+    <a:masterClrMapping/>
+  </p:clrMapOvr>
+</p:sld>
+</file>
+
+<file path=ppt/slides/slide8.xml><?xml version="1.0" encoding="utf-8"?>
+<p:sld xmlns:a="http://schemas.openxmlformats.org/drawingml/2006/main" xmlns:r="http://schemas.openxmlformats.org/officeDocument/2006/relationships" xmlns:p="http://schemas.openxmlformats.org/presentationml/2006/main">
+  <p:cSld>
+    <p:spTree>
+      <p:nvGrpSpPr>
+        <p:cNvPr id="1" name=""/>
+        <p:cNvGrpSpPr/>
+        <p:nvPr/>
+      </p:nvGrpSpPr>
+      <p:grpSpPr>
+        <a:xfrm>
+          <a:off x="0" y="0"/>
+          <a:ext cx="0" cy="0"/>
+          <a:chOff x="0" y="0"/>
+          <a:chExt cx="0" cy="0"/>
+        </a:xfrm>
+      </p:grpSpPr>
+      <p:sp>
+        <p:nvSpPr>
           <p:cNvPr id="3" name="Content Placeholder 2">
             <a:extLst>
               <a:ext uri="{FF2B5EF4-FFF2-40B4-BE49-F238E27FC236}">
@@ -5441,7 +5694,7 @@
           <a:p>
             <a:fld id="{87DF2A7E-8477-AD4D-AAAC-6B3DEECADF48}" type="slidenum">
               <a:rPr lang="de-DE" smtClean="0"/>
-              <a:t>7</a:t>
+              <a:t>8</a:t>
             </a:fld>
             <a:endParaRPr lang="de-DE"/>
           </a:p>

--- a/Documents/Presentation 4.pptx
+++ b/Documents/Presentation 4.pptx
@@ -5168,8 +5168,8 @@
         </p:nvSpPr>
         <p:spPr>
           <a:xfrm>
-            <a:off x="838200" y="365126"/>
-            <a:ext cx="10515600" cy="651911"/>
+            <a:off x="326571" y="365126"/>
+            <a:ext cx="11027229" cy="651911"/>
           </a:xfrm>
         </p:spPr>
         <p:txBody>

--- a/Documents/Presentation 4.pptx
+++ b/Documents/Presentation 4.pptx
@@ -5366,6 +5366,36 @@
           <a:xfrm>
             <a:off x="838200" y="5294003"/>
             <a:ext cx="10745131" cy="1036410"/>
+          </a:xfrm>
+          <a:prstGeom prst="rect">
+            <a:avLst/>
+          </a:prstGeom>
+        </p:spPr>
+      </p:pic>
+      <p:pic>
+        <p:nvPicPr>
+          <p:cNvPr id="7" name="Picture 6">
+            <a:extLst>
+              <a:ext uri="{FF2B5EF4-FFF2-40B4-BE49-F238E27FC236}">
+                <a16:creationId xmlns:a16="http://schemas.microsoft.com/office/drawing/2014/main" id="{5287AD2C-330A-4FA4-8FAA-7CC39FDEDBBB}"/>
+              </a:ext>
+            </a:extLst>
+          </p:cNvPr>
+          <p:cNvPicPr>
+            <a:picLocks noChangeAspect="1"/>
+          </p:cNvPicPr>
+          <p:nvPr/>
+        </p:nvPicPr>
+        <p:blipFill>
+          <a:blip r:embed="rId7"/>
+          <a:stretch>
+            <a:fillRect/>
+          </a:stretch>
+        </p:blipFill>
+        <p:spPr>
+          <a:xfrm>
+            <a:off x="8107854" y="1134520"/>
+            <a:ext cx="4023709" cy="2651990"/>
           </a:xfrm>
           <a:prstGeom prst="rect">
             <a:avLst/>

--- a/Documents/Presentation 4.pptx
+++ b/Documents/Presentation 4.pptx
@@ -5,7 +5,7 @@
     <p:sldMasterId id="2147483854" r:id="rId1"/>
   </p:sldMasterIdLst>
   <p:notesMasterIdLst>
-    <p:notesMasterId r:id="rId10"/>
+    <p:notesMasterId r:id="rId11"/>
   </p:notesMasterIdLst>
   <p:sldIdLst>
     <p:sldId id="256" r:id="rId2"/>
@@ -15,7 +15,8 @@
     <p:sldId id="265" r:id="rId6"/>
     <p:sldId id="270" r:id="rId7"/>
     <p:sldId id="271" r:id="rId8"/>
-    <p:sldId id="268" r:id="rId9"/>
+    <p:sldId id="272" r:id="rId9"/>
+    <p:sldId id="268" r:id="rId10"/>
   </p:sldIdLst>
   <p:sldSz cx="12192000" cy="6858000"/>
   <p:notesSz cx="6858000" cy="9144000"/>
@@ -5274,7 +5275,7 @@
         </p:blipFill>
         <p:spPr>
           <a:xfrm>
-            <a:off x="838200" y="2837676"/>
+            <a:off x="838200" y="3340350"/>
             <a:ext cx="6294665" cy="1005927"/>
           </a:xfrm>
           <a:prstGeom prst="rect">
@@ -5304,7 +5305,7 @@
         </p:blipFill>
         <p:spPr>
           <a:xfrm>
-            <a:off x="838200" y="1504759"/>
+            <a:off x="838200" y="1668948"/>
             <a:ext cx="4473328" cy="1204064"/>
           </a:xfrm>
           <a:prstGeom prst="rect">
@@ -5314,10 +5315,10 @@
       </p:pic>
       <p:pic>
         <p:nvPicPr>
-          <p:cNvPr id="15" name="Picture 14">
+          <p:cNvPr id="5" name="Picture 4">
             <a:extLst>
               <a:ext uri="{FF2B5EF4-FFF2-40B4-BE49-F238E27FC236}">
-                <a16:creationId xmlns:a16="http://schemas.microsoft.com/office/drawing/2014/main" id="{13EE7BE8-C645-41FE-A698-ED1FF951DDE3}"/>
+                <a16:creationId xmlns:a16="http://schemas.microsoft.com/office/drawing/2014/main" id="{989FA201-83CD-4F65-A00C-A8217F791157}"/>
               </a:ext>
             </a:extLst>
           </p:cNvPr>
@@ -5334,68 +5335,8 @@
         </p:blipFill>
         <p:spPr>
           <a:xfrm>
-            <a:off x="838200" y="3987697"/>
-            <a:ext cx="8763759" cy="1188823"/>
-          </a:xfrm>
-          <a:prstGeom prst="rect">
-            <a:avLst/>
-          </a:prstGeom>
-        </p:spPr>
-      </p:pic>
-      <p:pic>
-        <p:nvPicPr>
-          <p:cNvPr id="17" name="Picture 16">
-            <a:extLst>
-              <a:ext uri="{FF2B5EF4-FFF2-40B4-BE49-F238E27FC236}">
-                <a16:creationId xmlns:a16="http://schemas.microsoft.com/office/drawing/2014/main" id="{069F17E2-EED6-4928-A05C-0313E55E157A}"/>
-              </a:ext>
-            </a:extLst>
-          </p:cNvPr>
-          <p:cNvPicPr>
-            <a:picLocks noChangeAspect="1"/>
-          </p:cNvPicPr>
-          <p:nvPr/>
-        </p:nvPicPr>
-        <p:blipFill>
-          <a:blip r:embed="rId6"/>
-          <a:stretch>
-            <a:fillRect/>
-          </a:stretch>
-        </p:blipFill>
-        <p:spPr>
-          <a:xfrm>
-            <a:off x="838200" y="5294003"/>
-            <a:ext cx="10745131" cy="1036410"/>
-          </a:xfrm>
-          <a:prstGeom prst="rect">
-            <a:avLst/>
-          </a:prstGeom>
-        </p:spPr>
-      </p:pic>
-      <p:pic>
-        <p:nvPicPr>
-          <p:cNvPr id="7" name="Picture 6">
-            <a:extLst>
-              <a:ext uri="{FF2B5EF4-FFF2-40B4-BE49-F238E27FC236}">
-                <a16:creationId xmlns:a16="http://schemas.microsoft.com/office/drawing/2014/main" id="{5287AD2C-330A-4FA4-8FAA-7CC39FDEDBBB}"/>
-              </a:ext>
-            </a:extLst>
-          </p:cNvPr>
-          <p:cNvPicPr>
-            <a:picLocks noChangeAspect="1"/>
-          </p:cNvPicPr>
-          <p:nvPr/>
-        </p:nvPicPr>
-        <p:blipFill>
-          <a:blip r:embed="rId7"/>
-          <a:stretch>
-            <a:fillRect/>
-          </a:stretch>
-        </p:blipFill>
-        <p:spPr>
-          <a:xfrm>
-            <a:off x="8107854" y="1134520"/>
-            <a:ext cx="4023709" cy="2651990"/>
+            <a:off x="838200" y="4694054"/>
+            <a:ext cx="8718035" cy="1318374"/>
           </a:xfrm>
           <a:prstGeom prst="rect">
             <a:avLst/>
@@ -5432,6 +5373,154 @@
           <a:chExt cx="0" cy="0"/>
         </a:xfrm>
       </p:grpSpPr>
+      <p:pic>
+        <p:nvPicPr>
+          <p:cNvPr id="7" name="Content Placeholder 6">
+            <a:extLst>
+              <a:ext uri="{FF2B5EF4-FFF2-40B4-BE49-F238E27FC236}">
+                <a16:creationId xmlns:a16="http://schemas.microsoft.com/office/drawing/2014/main" id="{30969C63-B2DD-4A82-9396-7EB781D4D906}"/>
+              </a:ext>
+            </a:extLst>
+          </p:cNvPr>
+          <p:cNvPicPr>
+            <a:picLocks noGrp="1" noChangeAspect="1"/>
+          </p:cNvPicPr>
+          <p:nvPr>
+            <p:ph idx="1"/>
+          </p:nvPr>
+        </p:nvPicPr>
+        <p:blipFill>
+          <a:blip r:embed="rId2"/>
+          <a:stretch>
+            <a:fillRect/>
+          </a:stretch>
+        </p:blipFill>
+        <p:spPr>
+          <a:xfrm>
+            <a:off x="6795071" y="2295331"/>
+            <a:ext cx="4663844" cy="3564293"/>
+          </a:xfrm>
+        </p:spPr>
+      </p:pic>
+      <p:sp>
+        <p:nvSpPr>
+          <p:cNvPr id="4" name="Slide Number Placeholder 3">
+            <a:extLst>
+              <a:ext uri="{FF2B5EF4-FFF2-40B4-BE49-F238E27FC236}">
+                <a16:creationId xmlns:a16="http://schemas.microsoft.com/office/drawing/2014/main" id="{3130D331-A6A7-45E7-A3E0-06D45579675A}"/>
+              </a:ext>
+            </a:extLst>
+          </p:cNvPr>
+          <p:cNvSpPr>
+            <a:spLocks noGrp="1"/>
+          </p:cNvSpPr>
+          <p:nvPr>
+            <p:ph type="sldNum" sz="quarter" idx="12"/>
+          </p:nvPr>
+        </p:nvSpPr>
+        <p:spPr/>
+        <p:txBody>
+          <a:bodyPr/>
+          <a:lstStyle/>
+          <a:p>
+            <a:fld id="{87DF2A7E-8477-AD4D-AAAC-6B3DEECADF48}" type="slidenum">
+              <a:rPr lang="de-DE" smtClean="0"/>
+              <a:t>8</a:t>
+            </a:fld>
+            <a:endParaRPr lang="de-DE"/>
+          </a:p>
+        </p:txBody>
+      </p:sp>
+      <p:pic>
+        <p:nvPicPr>
+          <p:cNvPr id="5" name="Picture 4">
+            <a:extLst>
+              <a:ext uri="{FF2B5EF4-FFF2-40B4-BE49-F238E27FC236}">
+                <a16:creationId xmlns:a16="http://schemas.microsoft.com/office/drawing/2014/main" id="{ADE9346A-4B21-439C-9426-1257172C5F37}"/>
+              </a:ext>
+            </a:extLst>
+          </p:cNvPr>
+          <p:cNvPicPr>
+            <a:picLocks noChangeAspect="1"/>
+          </p:cNvPicPr>
+          <p:nvPr/>
+        </p:nvPicPr>
+        <p:blipFill>
+          <a:blip r:embed="rId3"/>
+          <a:stretch>
+            <a:fillRect/>
+          </a:stretch>
+        </p:blipFill>
+        <p:spPr>
+          <a:xfrm>
+            <a:off x="838200" y="2388742"/>
+            <a:ext cx="4762913" cy="3564293"/>
+          </a:xfrm>
+          <a:prstGeom prst="rect">
+            <a:avLst/>
+          </a:prstGeom>
+        </p:spPr>
+      </p:pic>
+      <p:pic>
+        <p:nvPicPr>
+          <p:cNvPr id="8" name="Picture 7">
+            <a:extLst>
+              <a:ext uri="{FF2B5EF4-FFF2-40B4-BE49-F238E27FC236}">
+                <a16:creationId xmlns:a16="http://schemas.microsoft.com/office/drawing/2014/main" id="{9D32A892-18A6-4E0F-9795-3C2EB17B264D}"/>
+              </a:ext>
+            </a:extLst>
+          </p:cNvPr>
+          <p:cNvPicPr>
+            <a:picLocks noChangeAspect="1"/>
+          </p:cNvPicPr>
+          <p:nvPr/>
+        </p:nvPicPr>
+        <p:blipFill>
+          <a:blip r:embed="rId4"/>
+          <a:stretch>
+            <a:fillRect/>
+          </a:stretch>
+        </p:blipFill>
+        <p:spPr>
+          <a:xfrm>
+            <a:off x="838200" y="768656"/>
+            <a:ext cx="10745131" cy="1036410"/>
+          </a:xfrm>
+          <a:prstGeom prst="rect">
+            <a:avLst/>
+          </a:prstGeom>
+        </p:spPr>
+      </p:pic>
+    </p:spTree>
+    <p:extLst>
+      <p:ext uri="{BB962C8B-B14F-4D97-AF65-F5344CB8AC3E}">
+        <p14:creationId xmlns:p14="http://schemas.microsoft.com/office/powerpoint/2010/main" val="1383717632"/>
+      </p:ext>
+    </p:extLst>
+  </p:cSld>
+  <p:clrMapOvr>
+    <a:masterClrMapping/>
+  </p:clrMapOvr>
+</p:sld>
+</file>
+
+<file path=ppt/slides/slide9.xml><?xml version="1.0" encoding="utf-8"?>
+<p:sld xmlns:a="http://schemas.openxmlformats.org/drawingml/2006/main" xmlns:r="http://schemas.openxmlformats.org/officeDocument/2006/relationships" xmlns:p="http://schemas.openxmlformats.org/presentationml/2006/main">
+  <p:cSld>
+    <p:spTree>
+      <p:nvGrpSpPr>
+        <p:cNvPr id="1" name=""/>
+        <p:cNvGrpSpPr/>
+        <p:nvPr/>
+      </p:nvGrpSpPr>
+      <p:grpSpPr>
+        <a:xfrm>
+          <a:off x="0" y="0"/>
+          <a:ext cx="0" cy="0"/>
+          <a:chOff x="0" y="0"/>
+          <a:chExt cx="0" cy="0"/>
+        </a:xfrm>
+      </p:grpSpPr>
       <p:sp>
         <p:nvSpPr>
           <p:cNvPr id="3" name="Content Placeholder 2">
@@ -5724,7 +5813,7 @@
           <a:p>
             <a:fld id="{87DF2A7E-8477-AD4D-AAAC-6B3DEECADF48}" type="slidenum">
               <a:rPr lang="de-DE" smtClean="0"/>
-              <a:t>8</a:t>
+              <a:t>9</a:t>
             </a:fld>
             <a:endParaRPr lang="de-DE"/>
           </a:p>

--- a/Documents/Presentation 4.pptx
+++ b/Documents/Presentation 4.pptx
@@ -205,7 +205,7 @@
           <a:p>
             <a:fld id="{266DAC16-DA02-F847-8D55-44345BC3D9A5}" type="datetimeFigureOut">
               <a:rPr lang="de-DE" smtClean="0"/>
-              <a:t>09.07.2020</a:t>
+              <a:t>09.07.20</a:t>
             </a:fld>
             <a:endParaRPr lang="de-DE"/>
           </a:p>
@@ -604,7 +604,7 @@
           <a:p>
             <a:fld id="{8B80C8B8-B73E-8B47-9E48-221C3F590C28}" type="datetime1">
               <a:rPr lang="de-DE" smtClean="0"/>
-              <a:t>09.07.2020</a:t>
+              <a:t>09.07.20</a:t>
             </a:fld>
             <a:endParaRPr lang="de-DE"/>
           </a:p>
@@ -774,7 +774,7 @@
           <a:p>
             <a:fld id="{93C37B03-4513-A141-9022-E9824DCBB0A0}" type="datetime1">
               <a:rPr lang="de-DE" smtClean="0"/>
-              <a:t>09.07.2020</a:t>
+              <a:t>09.07.20</a:t>
             </a:fld>
             <a:endParaRPr lang="de-DE"/>
           </a:p>
@@ -954,7 +954,7 @@
           <a:p>
             <a:fld id="{FF214724-919D-3A48-917F-8917AAF14B3A}" type="datetime1">
               <a:rPr lang="de-DE" smtClean="0"/>
-              <a:t>09.07.2020</a:t>
+              <a:t>09.07.20</a:t>
             </a:fld>
             <a:endParaRPr lang="de-DE"/>
           </a:p>
@@ -1124,7 +1124,7 @@
           <a:p>
             <a:fld id="{982A8D32-BB74-954F-ACFF-87E57C5AC28A}" type="datetime1">
               <a:rPr lang="de-DE" smtClean="0"/>
-              <a:t>09.07.2020</a:t>
+              <a:t>09.07.20</a:t>
             </a:fld>
             <a:endParaRPr lang="de-DE"/>
           </a:p>
@@ -1370,7 +1370,7 @@
           <a:p>
             <a:fld id="{E46E76CB-6BB4-DA4C-B48D-169919057F8A}" type="datetime1">
               <a:rPr lang="de-DE" smtClean="0"/>
-              <a:t>09.07.2020</a:t>
+              <a:t>09.07.20</a:t>
             </a:fld>
             <a:endParaRPr lang="de-DE"/>
           </a:p>
@@ -1602,7 +1602,7 @@
           <a:p>
             <a:fld id="{F55CE61A-5631-AE44-8294-14E7692462B8}" type="datetime1">
               <a:rPr lang="de-DE" smtClean="0"/>
-              <a:t>09.07.2020</a:t>
+              <a:t>09.07.20</a:t>
             </a:fld>
             <a:endParaRPr lang="de-DE"/>
           </a:p>
@@ -1969,7 +1969,7 @@
           <a:p>
             <a:fld id="{77641EFC-DD41-024F-AF86-EE6616483216}" type="datetime1">
               <a:rPr lang="de-DE" smtClean="0"/>
-              <a:t>09.07.2020</a:t>
+              <a:t>09.07.20</a:t>
             </a:fld>
             <a:endParaRPr lang="de-DE"/>
           </a:p>
@@ -2087,7 +2087,7 @@
           <a:p>
             <a:fld id="{390441C9-2726-8849-B1B3-1ACF09CA1DD5}" type="datetime1">
               <a:rPr lang="de-DE" smtClean="0"/>
-              <a:t>09.07.2020</a:t>
+              <a:t>09.07.20</a:t>
             </a:fld>
             <a:endParaRPr lang="de-DE"/>
           </a:p>
@@ -2182,7 +2182,7 @@
           <a:p>
             <a:fld id="{58DD452A-2813-4646-AD19-8C4B9CDAB8F3}" type="datetime1">
               <a:rPr lang="de-DE" smtClean="0"/>
-              <a:t>09.07.2020</a:t>
+              <a:t>09.07.20</a:t>
             </a:fld>
             <a:endParaRPr lang="de-DE"/>
           </a:p>
@@ -2459,7 +2459,7 @@
           <a:p>
             <a:fld id="{6BF90A40-5018-E844-AE4D-A04427B8A67D}" type="datetime1">
               <a:rPr lang="de-DE" smtClean="0"/>
-              <a:t>09.07.2020</a:t>
+              <a:t>09.07.20</a:t>
             </a:fld>
             <a:endParaRPr lang="de-DE"/>
           </a:p>
@@ -2716,7 +2716,7 @@
           <a:p>
             <a:fld id="{B39CFF23-CD56-C845-9F00-3DA42EF60425}" type="datetime1">
               <a:rPr lang="de-DE" smtClean="0"/>
-              <a:t>09.07.2020</a:t>
+              <a:t>09.07.20</a:t>
             </a:fld>
             <a:endParaRPr lang="de-DE"/>
           </a:p>
@@ -2956,7 +2956,7 @@
           <a:p>
             <a:fld id="{CCBDBEBC-F268-6843-9BFF-885A5F68C54F}" type="datetime1">
               <a:rPr lang="de-DE" smtClean="0"/>
-              <a:t>09.07.2020</a:t>
+              <a:t>09.07.20</a:t>
             </a:fld>
             <a:endParaRPr lang="de-DE"/>
           </a:p>
@@ -5780,6 +5780,159 @@
               <a:rPr lang="de-DE" sz="1700" dirty="0"/>
               <a:t>: 10.1109/BIBE.2013.6701629.</a:t>
             </a:r>
+          </a:p>
+          <a:p>
+            <a:pPr marL="514350" indent="-514350">
+              <a:buFont typeface="Arial" panose="020B0604020202020204" pitchFamily="34" charset="0"/>
+              <a:buAutoNum type="arabicPeriod"/>
+            </a:pPr>
+            <a:r>
+              <a:rPr lang="de-DE" sz="1700" dirty="0"/>
+              <a:t>G. </a:t>
+            </a:r>
+            <a:r>
+              <a:rPr lang="de-DE" sz="1700" dirty="0" err="1"/>
+              <a:t>Vavoulas</a:t>
+            </a:r>
+            <a:r>
+              <a:rPr lang="de-DE" sz="1700" dirty="0"/>
+              <a:t>, M. </a:t>
+            </a:r>
+            <a:r>
+              <a:rPr lang="de-DE" sz="1700" dirty="0" err="1"/>
+              <a:t>Pediaditis</a:t>
+            </a:r>
+            <a:r>
+              <a:rPr lang="de-DE" sz="1700" dirty="0"/>
+              <a:t>, C. </a:t>
+            </a:r>
+            <a:r>
+              <a:rPr lang="de-DE" sz="1700" dirty="0" err="1"/>
+              <a:t>Chatzaki</a:t>
+            </a:r>
+            <a:r>
+              <a:rPr lang="de-DE" sz="1700" dirty="0"/>
+              <a:t>, E. G. </a:t>
+            </a:r>
+            <a:r>
+              <a:rPr lang="de-DE" sz="1700" dirty="0" err="1"/>
+              <a:t>Spanakis</a:t>
+            </a:r>
+            <a:r>
+              <a:rPr lang="de-DE" sz="1700" dirty="0"/>
+              <a:t>, M. </a:t>
+            </a:r>
+            <a:r>
+              <a:rPr lang="de-DE" sz="1700" dirty="0" err="1"/>
+              <a:t>Tsiknakis</a:t>
+            </a:r>
+            <a:r>
+              <a:rPr lang="de-DE" sz="1700" dirty="0"/>
+              <a:t>, The </a:t>
+            </a:r>
+            <a:r>
+              <a:rPr lang="de-DE" sz="1700" dirty="0" err="1"/>
+              <a:t>MobiFall</a:t>
+            </a:r>
+            <a:r>
+              <a:rPr lang="de-DE" sz="1700" dirty="0"/>
+              <a:t> Dataset: Fall </a:t>
+            </a:r>
+            <a:r>
+              <a:rPr lang="de-DE" sz="1700" dirty="0" err="1"/>
+              <a:t>Detection</a:t>
+            </a:r>
+            <a:r>
+              <a:rPr lang="de-DE" sz="1700" dirty="0"/>
+              <a:t> </a:t>
+            </a:r>
+            <a:r>
+              <a:rPr lang="de-DE" sz="1700" dirty="0" err="1"/>
+              <a:t>and</a:t>
+            </a:r>
+            <a:r>
+              <a:rPr lang="de-DE" sz="1700" dirty="0"/>
+              <a:t> </a:t>
+            </a:r>
+            <a:r>
+              <a:rPr lang="de-DE" sz="1700" dirty="0" err="1"/>
+              <a:t>Classification</a:t>
+            </a:r>
+            <a:r>
+              <a:rPr lang="de-DE" sz="1700" dirty="0"/>
+              <a:t> </a:t>
+            </a:r>
+            <a:r>
+              <a:rPr lang="de-DE" sz="1700" dirty="0" err="1"/>
+              <a:t>with</a:t>
+            </a:r>
+            <a:r>
+              <a:rPr lang="de-DE" sz="1700" dirty="0"/>
+              <a:t> a Smartphone, </a:t>
+            </a:r>
+            <a:r>
+              <a:rPr lang="de-DE" sz="1700" dirty="0" err="1"/>
+              <a:t>invited</a:t>
+            </a:r>
+            <a:r>
+              <a:rPr lang="de-DE" sz="1700" dirty="0"/>
+              <a:t> </a:t>
+            </a:r>
+            <a:r>
+              <a:rPr lang="de-DE" sz="1700" dirty="0" err="1"/>
+              <a:t>publication</a:t>
+            </a:r>
+            <a:r>
+              <a:rPr lang="de-DE" sz="1700" dirty="0"/>
+              <a:t> </a:t>
+            </a:r>
+            <a:r>
+              <a:rPr lang="de-DE" sz="1700" dirty="0" err="1"/>
+              <a:t>for</a:t>
+            </a:r>
+            <a:r>
+              <a:rPr lang="de-DE" sz="1700" dirty="0"/>
+              <a:t> </a:t>
+            </a:r>
+            <a:r>
+              <a:rPr lang="de-DE" sz="1700" dirty="0" err="1"/>
+              <a:t>the</a:t>
+            </a:r>
+            <a:r>
+              <a:rPr lang="de-DE" sz="1700" dirty="0"/>
+              <a:t> International Journal </a:t>
+            </a:r>
+            <a:r>
+              <a:rPr lang="de-DE" sz="1700" dirty="0" err="1"/>
+              <a:t>of</a:t>
+            </a:r>
+            <a:r>
+              <a:rPr lang="de-DE" sz="1700" dirty="0"/>
+              <a:t> Monitoring </a:t>
+            </a:r>
+            <a:r>
+              <a:rPr lang="de-DE" sz="1700" dirty="0" err="1"/>
+              <a:t>and</a:t>
+            </a:r>
+            <a:r>
+              <a:rPr lang="de-DE" sz="1700" dirty="0"/>
+              <a:t> </a:t>
+            </a:r>
+            <a:r>
+              <a:rPr lang="de-DE" sz="1700" dirty="0" err="1"/>
+              <a:t>Surveillance</a:t>
+            </a:r>
+            <a:r>
+              <a:rPr lang="de-DE" sz="1700" dirty="0"/>
+              <a:t> Technologies Research, pp 44-56, 2014, DOI:10.4018/ijmstr.2014010103.</a:t>
+            </a:r>
+          </a:p>
+          <a:p>
+            <a:pPr marL="514350" indent="-514350">
+              <a:buFont typeface="Arial" panose="020B0604020202020204" pitchFamily="34" charset="0"/>
+              <a:buAutoNum type="arabicPeriod"/>
+            </a:pPr>
+            <a:endParaRPr lang="de-DE" sz="1700" dirty="0"/>
           </a:p>
           <a:p>
             <a:pPr marL="514350" indent="-514350">
